--- a/Investor Deck 110718 - Recommendations.pptx
+++ b/Investor Deck 110718 - Recommendations.pptx
@@ -121,6 +121,10 @@
 </p:presentation>
 </file>
 
+<file path=ppt/revisionInfo.xml><?xml version="1.0" encoding="utf-8"?>
+<p1510:revInfo xmlns:a="http://schemas.openxmlformats.org/drawingml/2006/main" xmlns:r="http://schemas.openxmlformats.org/officeDocument/2006/relationships" xmlns:p1510="http://schemas.microsoft.com/office/powerpoint/2015/10/main"/>
+</file>
+
 <file path=ppt/slideLayouts/slideLayout1.xml><?xml version="1.0" encoding="utf-8"?>
 <p:sldLayout xmlns:a="http://schemas.openxmlformats.org/drawingml/2006/main" xmlns:r="http://schemas.openxmlformats.org/officeDocument/2006/relationships" xmlns:p="http://schemas.openxmlformats.org/presentationml/2006/main" type="title" preserve="1">
   <p:cSld name="Title Slide">
@@ -270,7 +274,7 @@
           <a:p>
             <a:fld id="{0C291F72-1B00-455A-8639-6CFECD9F62BC}" type="datetimeFigureOut">
               <a:rPr lang="en-GB" smtClean="0"/>
-              <a:t>24/07/2018</a:t>
+              <a:t>02/08/2018</a:t>
             </a:fld>
             <a:endParaRPr lang="en-GB"/>
           </a:p>
@@ -470,7 +474,7 @@
           <a:p>
             <a:fld id="{0C291F72-1B00-455A-8639-6CFECD9F62BC}" type="datetimeFigureOut">
               <a:rPr lang="en-GB" smtClean="0"/>
-              <a:t>24/07/2018</a:t>
+              <a:t>02/08/2018</a:t>
             </a:fld>
             <a:endParaRPr lang="en-GB"/>
           </a:p>
@@ -680,7 +684,7 @@
           <a:p>
             <a:fld id="{0C291F72-1B00-455A-8639-6CFECD9F62BC}" type="datetimeFigureOut">
               <a:rPr lang="en-GB" smtClean="0"/>
-              <a:t>24/07/2018</a:t>
+              <a:t>02/08/2018</a:t>
             </a:fld>
             <a:endParaRPr lang="en-GB"/>
           </a:p>
@@ -880,7 +884,7 @@
           <a:p>
             <a:fld id="{0C291F72-1B00-455A-8639-6CFECD9F62BC}" type="datetimeFigureOut">
               <a:rPr lang="en-GB" smtClean="0"/>
-              <a:t>24/07/2018</a:t>
+              <a:t>02/08/2018</a:t>
             </a:fld>
             <a:endParaRPr lang="en-GB"/>
           </a:p>
@@ -1156,7 +1160,7 @@
           <a:p>
             <a:fld id="{0C291F72-1B00-455A-8639-6CFECD9F62BC}" type="datetimeFigureOut">
               <a:rPr lang="en-GB" smtClean="0"/>
-              <a:t>24/07/2018</a:t>
+              <a:t>02/08/2018</a:t>
             </a:fld>
             <a:endParaRPr lang="en-GB"/>
           </a:p>
@@ -1424,7 +1428,7 @@
           <a:p>
             <a:fld id="{0C291F72-1B00-455A-8639-6CFECD9F62BC}" type="datetimeFigureOut">
               <a:rPr lang="en-GB" smtClean="0"/>
-              <a:t>24/07/2018</a:t>
+              <a:t>02/08/2018</a:t>
             </a:fld>
             <a:endParaRPr lang="en-GB"/>
           </a:p>
@@ -1839,7 +1843,7 @@
           <a:p>
             <a:fld id="{0C291F72-1B00-455A-8639-6CFECD9F62BC}" type="datetimeFigureOut">
               <a:rPr lang="en-GB" smtClean="0"/>
-              <a:t>24/07/2018</a:t>
+              <a:t>02/08/2018</a:t>
             </a:fld>
             <a:endParaRPr lang="en-GB"/>
           </a:p>
@@ -1981,7 +1985,7 @@
           <a:p>
             <a:fld id="{0C291F72-1B00-455A-8639-6CFECD9F62BC}" type="datetimeFigureOut">
               <a:rPr lang="en-GB" smtClean="0"/>
-              <a:t>24/07/2018</a:t>
+              <a:t>02/08/2018</a:t>
             </a:fld>
             <a:endParaRPr lang="en-GB"/>
           </a:p>
@@ -2094,7 +2098,7 @@
           <a:p>
             <a:fld id="{0C291F72-1B00-455A-8639-6CFECD9F62BC}" type="datetimeFigureOut">
               <a:rPr lang="en-GB" smtClean="0"/>
-              <a:t>24/07/2018</a:t>
+              <a:t>02/08/2018</a:t>
             </a:fld>
             <a:endParaRPr lang="en-GB"/>
           </a:p>
@@ -2407,7 +2411,7 @@
           <a:p>
             <a:fld id="{0C291F72-1B00-455A-8639-6CFECD9F62BC}" type="datetimeFigureOut">
               <a:rPr lang="en-GB" smtClean="0"/>
-              <a:t>24/07/2018</a:t>
+              <a:t>02/08/2018</a:t>
             </a:fld>
             <a:endParaRPr lang="en-GB"/>
           </a:p>
@@ -2696,7 +2700,7 @@
           <a:p>
             <a:fld id="{0C291F72-1B00-455A-8639-6CFECD9F62BC}" type="datetimeFigureOut">
               <a:rPr lang="en-GB" smtClean="0"/>
-              <a:t>24/07/2018</a:t>
+              <a:t>02/08/2018</a:t>
             </a:fld>
             <a:endParaRPr lang="en-GB"/>
           </a:p>
@@ -2939,7 +2943,7 @@
           <a:p>
             <a:fld id="{0C291F72-1B00-455A-8639-6CFECD9F62BC}" type="datetimeFigureOut">
               <a:rPr lang="en-GB" smtClean="0"/>
-              <a:t>24/07/2018</a:t>
+              <a:t>02/08/2018</a:t>
             </a:fld>
             <a:endParaRPr lang="en-GB"/>
           </a:p>
@@ -3651,6 +3655,111 @@
           </a:p>
         </p:txBody>
       </p:sp>
+      <p:sp>
+        <p:nvSpPr>
+          <p:cNvPr id="7" name="TextBox 6">
+            <a:extLst>
+              <a:ext uri="{FF2B5EF4-FFF2-40B4-BE49-F238E27FC236}">
+                <a16:creationId xmlns:a16="http://schemas.microsoft.com/office/drawing/2014/main" id="{D27F0E9D-26C6-40DE-9647-1E303D5B26F3}"/>
+              </a:ext>
+            </a:extLst>
+          </p:cNvPr>
+          <p:cNvSpPr txBox="1"/>
+          <p:nvPr/>
+        </p:nvSpPr>
+        <p:spPr>
+          <a:xfrm>
+            <a:off x="7982857" y="2627086"/>
+            <a:ext cx="2583542" cy="1077218"/>
+          </a:xfrm>
+          <a:prstGeom prst="rect">
+            <a:avLst/>
+          </a:prstGeom>
+          <a:noFill/>
+        </p:spPr>
+        <p:txBody>
+          <a:bodyPr wrap="square" rtlCol="0">
+            <a:spAutoFit/>
+          </a:bodyPr>
+          <a:lstStyle/>
+          <a:p>
+            <a:r>
+              <a:rPr lang="en-GB" sz="1600" dirty="0"/>
+              <a:t>Technology extends beyond reach of existing software and methods. Continuous Improvement of service.</a:t>
+            </a:r>
+          </a:p>
+        </p:txBody>
+      </p:sp>
+      <p:sp>
+        <p:nvSpPr>
+          <p:cNvPr id="8" name="TextBox 7">
+            <a:extLst>
+              <a:ext uri="{FF2B5EF4-FFF2-40B4-BE49-F238E27FC236}">
+                <a16:creationId xmlns:a16="http://schemas.microsoft.com/office/drawing/2014/main" id="{CB990CD4-8F3A-4406-B7A4-04F55BDE03BE}"/>
+              </a:ext>
+            </a:extLst>
+          </p:cNvPr>
+          <p:cNvSpPr txBox="1"/>
+          <p:nvPr/>
+        </p:nvSpPr>
+        <p:spPr>
+          <a:xfrm>
+            <a:off x="4339771" y="2627086"/>
+            <a:ext cx="2583542" cy="830997"/>
+          </a:xfrm>
+          <a:prstGeom prst="rect">
+            <a:avLst/>
+          </a:prstGeom>
+          <a:noFill/>
+        </p:spPr>
+        <p:txBody>
+          <a:bodyPr wrap="square" rtlCol="0">
+            <a:spAutoFit/>
+          </a:bodyPr>
+          <a:lstStyle/>
+          <a:p>
+            <a:r>
+              <a:rPr lang="en-GB" sz="1600" dirty="0"/>
+              <a:t>API Functions with existing websites and Easy to customize for businesses</a:t>
+            </a:r>
+          </a:p>
+        </p:txBody>
+      </p:sp>
+      <p:sp>
+        <p:nvSpPr>
+          <p:cNvPr id="9" name="TextBox 8">
+            <a:extLst>
+              <a:ext uri="{FF2B5EF4-FFF2-40B4-BE49-F238E27FC236}">
+                <a16:creationId xmlns:a16="http://schemas.microsoft.com/office/drawing/2014/main" id="{83810A9F-38D3-477F-B488-E6FC2C1D40E1}"/>
+              </a:ext>
+            </a:extLst>
+          </p:cNvPr>
+          <p:cNvSpPr txBox="1"/>
+          <p:nvPr/>
+        </p:nvSpPr>
+        <p:spPr>
+          <a:xfrm>
+            <a:off x="943429" y="2613842"/>
+            <a:ext cx="2583542" cy="1815882"/>
+          </a:xfrm>
+          <a:prstGeom prst="rect">
+            <a:avLst/>
+          </a:prstGeom>
+          <a:noFill/>
+        </p:spPr>
+        <p:txBody>
+          <a:bodyPr wrap="square" rtlCol="0">
+            <a:spAutoFit/>
+          </a:bodyPr>
+          <a:lstStyle/>
+          <a:p>
+            <a:r>
+              <a:rPr lang="en-GB" sz="1600" dirty="0"/>
+              <a:t>Cloud based always on based solutions available from mobile and pc devices. Big Data Infrastructure – service can de delivered independent of website traffic</a:t>
+            </a:r>
+          </a:p>
+        </p:txBody>
+      </p:sp>
     </p:spTree>
     <p:extLst>
       <p:ext uri="{BB962C8B-B14F-4D97-AF65-F5344CB8AC3E}">
@@ -4052,7 +4161,7 @@
         </p:blipFill>
         <p:spPr>
           <a:xfrm>
-            <a:off x="692727" y="1801091"/>
+            <a:off x="3333057" y="1884514"/>
             <a:ext cx="6130636" cy="517380"/>
           </a:xfrm>
           <a:prstGeom prst="rect">
@@ -4082,7 +4191,7 @@
         </p:blipFill>
         <p:spPr>
           <a:xfrm>
-            <a:off x="692727" y="1439141"/>
+            <a:off x="3108613" y="1522564"/>
             <a:ext cx="3714750" cy="361950"/>
           </a:xfrm>
           <a:prstGeom prst="rect">
@@ -4112,7 +4221,7 @@
         </p:blipFill>
         <p:spPr>
           <a:xfrm>
-            <a:off x="6823363" y="599499"/>
+            <a:off x="5623213" y="3754179"/>
             <a:ext cx="4992399" cy="1201592"/>
           </a:xfrm>
           <a:prstGeom prst="rect">
@@ -4142,7 +4251,7 @@
         </p:blipFill>
         <p:spPr>
           <a:xfrm>
-            <a:off x="7422140" y="254721"/>
+            <a:off x="6232596" y="3236799"/>
             <a:ext cx="1181534" cy="499775"/>
           </a:xfrm>
           <a:prstGeom prst="rect">
@@ -4413,8 +4522,24 @@
           <a:lstStyle/>
           <a:p>
             <a:r>
+              <a:rPr lang="en-GB" sz="2000" dirty="0"/>
+              <a:t>User Preferences </a:t>
+            </a:r>
+            <a:r>
               <a:rPr lang="en-GB" dirty="0"/>
-              <a:t>Data Capture 		AI Data Analysis 		Data Presentation</a:t>
+              <a:t>		</a:t>
+            </a:r>
+            <a:r>
+              <a:rPr lang="en-GB" sz="2000" dirty="0"/>
+              <a:t>Recommendation System Engine </a:t>
+            </a:r>
+            <a:r>
+              <a:rPr lang="en-GB" dirty="0"/>
+              <a:t>		</a:t>
+            </a:r>
+            <a:r>
+              <a:rPr lang="en-GB" sz="2000" dirty="0"/>
+              <a:t>Data Presentation</a:t>
             </a:r>
           </a:p>
         </p:txBody>
@@ -4476,7 +4601,7 @@
         </p:nvCxnSpPr>
         <p:spPr>
           <a:xfrm>
-            <a:off x="7010400" y="1690688"/>
+            <a:off x="8016240" y="1690688"/>
             <a:ext cx="1146629" cy="0"/>
           </a:xfrm>
           <a:prstGeom prst="straightConnector1">
@@ -4501,6 +4626,96 @@
           </a:fontRef>
         </p:style>
       </p:cxnSp>
+      <p:pic>
+        <p:nvPicPr>
+          <p:cNvPr id="4" name="Picture 3">
+            <a:extLst>
+              <a:ext uri="{FF2B5EF4-FFF2-40B4-BE49-F238E27FC236}">
+                <a16:creationId xmlns:a16="http://schemas.microsoft.com/office/drawing/2014/main" id="{C927C116-5E16-4B72-82A4-D861BFFB3054}"/>
+              </a:ext>
+            </a:extLst>
+          </p:cNvPr>
+          <p:cNvPicPr>
+            <a:picLocks noChangeAspect="1"/>
+          </p:cNvPicPr>
+          <p:nvPr/>
+        </p:nvPicPr>
+        <p:blipFill>
+          <a:blip r:embed="rId2"/>
+          <a:stretch>
+            <a:fillRect/>
+          </a:stretch>
+        </p:blipFill>
+        <p:spPr>
+          <a:xfrm>
+            <a:off x="1120141" y="2308860"/>
+            <a:ext cx="2446020" cy="1154884"/>
+          </a:xfrm>
+          <a:prstGeom prst="rect">
+            <a:avLst/>
+          </a:prstGeom>
+        </p:spPr>
+      </p:pic>
+      <p:pic>
+        <p:nvPicPr>
+          <p:cNvPr id="6" name="Picture 5">
+            <a:extLst>
+              <a:ext uri="{FF2B5EF4-FFF2-40B4-BE49-F238E27FC236}">
+                <a16:creationId xmlns:a16="http://schemas.microsoft.com/office/drawing/2014/main" id="{69ABDE4C-C523-48BF-83A1-DE22C91E999D}"/>
+              </a:ext>
+            </a:extLst>
+          </p:cNvPr>
+          <p:cNvPicPr>
+            <a:picLocks noChangeAspect="1"/>
+          </p:cNvPicPr>
+          <p:nvPr/>
+        </p:nvPicPr>
+        <p:blipFill>
+          <a:blip r:embed="rId3"/>
+          <a:stretch>
+            <a:fillRect/>
+          </a:stretch>
+        </p:blipFill>
+        <p:spPr>
+          <a:xfrm>
+            <a:off x="8157029" y="1929947"/>
+            <a:ext cx="2815771" cy="3064963"/>
+          </a:xfrm>
+          <a:prstGeom prst="rect">
+            <a:avLst/>
+          </a:prstGeom>
+        </p:spPr>
+      </p:pic>
+      <p:pic>
+        <p:nvPicPr>
+          <p:cNvPr id="7" name="Picture 6">
+            <a:extLst>
+              <a:ext uri="{FF2B5EF4-FFF2-40B4-BE49-F238E27FC236}">
+                <a16:creationId xmlns:a16="http://schemas.microsoft.com/office/drawing/2014/main" id="{7A2343E3-F0B1-490B-8B9F-79B24DCE6BA7}"/>
+              </a:ext>
+            </a:extLst>
+          </p:cNvPr>
+          <p:cNvPicPr>
+            <a:picLocks noChangeAspect="1"/>
+          </p:cNvPicPr>
+          <p:nvPr/>
+        </p:nvPicPr>
+        <p:blipFill>
+          <a:blip r:embed="rId4"/>
+          <a:stretch>
+            <a:fillRect/>
+          </a:stretch>
+        </p:blipFill>
+        <p:spPr>
+          <a:xfrm>
+            <a:off x="4347120" y="2144077"/>
+            <a:ext cx="3028950" cy="2981325"/>
+          </a:xfrm>
+          <a:prstGeom prst="rect">
+            <a:avLst/>
+          </a:prstGeom>
+        </p:spPr>
+      </p:pic>
     </p:spTree>
     <p:extLst>
       <p:ext uri="{BB962C8B-B14F-4D97-AF65-F5344CB8AC3E}">
@@ -4806,7 +5021,7 @@
             <a:pPr algn="ctr"/>
             <a:r>
               <a:rPr lang="en-GB" sz="1200" dirty="0"/>
-              <a:t>Companies  - Restaurant Chains</a:t>
+              <a:t>Companies  - Restaurant Chains\Food Guides</a:t>
             </a:r>
           </a:p>
         </p:txBody>
@@ -5075,6 +5290,156 @@
           <a:xfrm>
             <a:off x="2529844" y="4874926"/>
             <a:ext cx="1781175" cy="762176"/>
+          </a:xfrm>
+          <a:prstGeom prst="rect">
+            <a:avLst/>
+          </a:prstGeom>
+        </p:spPr>
+      </p:pic>
+      <p:pic>
+        <p:nvPicPr>
+          <p:cNvPr id="14" name="Picture 13">
+            <a:extLst>
+              <a:ext uri="{FF2B5EF4-FFF2-40B4-BE49-F238E27FC236}">
+                <a16:creationId xmlns:a16="http://schemas.microsoft.com/office/drawing/2014/main" id="{177B1553-3B57-4073-B85C-D9AFE043EC3B}"/>
+              </a:ext>
+            </a:extLst>
+          </p:cNvPr>
+          <p:cNvPicPr>
+            <a:picLocks noChangeAspect="1"/>
+          </p:cNvPicPr>
+          <p:nvPr/>
+        </p:nvPicPr>
+        <p:blipFill>
+          <a:blip r:embed="rId11"/>
+          <a:stretch>
+            <a:fillRect/>
+          </a:stretch>
+        </p:blipFill>
+        <p:spPr>
+          <a:xfrm>
+            <a:off x="7694394" y="1952298"/>
+            <a:ext cx="2686050" cy="1962150"/>
+          </a:xfrm>
+          <a:prstGeom prst="rect">
+            <a:avLst/>
+          </a:prstGeom>
+        </p:spPr>
+      </p:pic>
+      <p:pic>
+        <p:nvPicPr>
+          <p:cNvPr id="15" name="Picture 14">
+            <a:extLst>
+              <a:ext uri="{FF2B5EF4-FFF2-40B4-BE49-F238E27FC236}">
+                <a16:creationId xmlns:a16="http://schemas.microsoft.com/office/drawing/2014/main" id="{C393AB46-4AB6-46B2-91A6-72B7EDDD2DB5}"/>
+              </a:ext>
+            </a:extLst>
+          </p:cNvPr>
+          <p:cNvPicPr>
+            <a:picLocks noChangeAspect="1"/>
+          </p:cNvPicPr>
+          <p:nvPr/>
+        </p:nvPicPr>
+        <p:blipFill>
+          <a:blip r:embed="rId12"/>
+          <a:stretch>
+            <a:fillRect/>
+          </a:stretch>
+        </p:blipFill>
+        <p:spPr>
+          <a:xfrm>
+            <a:off x="8385909" y="3914448"/>
+            <a:ext cx="1303020" cy="321776"/>
+          </a:xfrm>
+          <a:prstGeom prst="rect">
+            <a:avLst/>
+          </a:prstGeom>
+        </p:spPr>
+      </p:pic>
+      <p:pic>
+        <p:nvPicPr>
+          <p:cNvPr id="16" name="Picture 15">
+            <a:extLst>
+              <a:ext uri="{FF2B5EF4-FFF2-40B4-BE49-F238E27FC236}">
+                <a16:creationId xmlns:a16="http://schemas.microsoft.com/office/drawing/2014/main" id="{8AE2048E-9090-407F-BDBE-22AA19EA08D9}"/>
+              </a:ext>
+            </a:extLst>
+          </p:cNvPr>
+          <p:cNvPicPr>
+            <a:picLocks noChangeAspect="1"/>
+          </p:cNvPicPr>
+          <p:nvPr/>
+        </p:nvPicPr>
+        <p:blipFill>
+          <a:blip r:embed="rId13"/>
+          <a:stretch>
+            <a:fillRect/>
+          </a:stretch>
+        </p:blipFill>
+        <p:spPr>
+          <a:xfrm>
+            <a:off x="7713543" y="4278908"/>
+            <a:ext cx="3028950" cy="1390650"/>
+          </a:xfrm>
+          <a:prstGeom prst="rect">
+            <a:avLst/>
+          </a:prstGeom>
+        </p:spPr>
+      </p:pic>
+      <p:pic>
+        <p:nvPicPr>
+          <p:cNvPr id="17" name="Picture 16">
+            <a:extLst>
+              <a:ext uri="{FF2B5EF4-FFF2-40B4-BE49-F238E27FC236}">
+                <a16:creationId xmlns:a16="http://schemas.microsoft.com/office/drawing/2014/main" id="{25F6E484-1667-45C3-A121-401BEAD77B72}"/>
+              </a:ext>
+            </a:extLst>
+          </p:cNvPr>
+          <p:cNvPicPr>
+            <a:picLocks noChangeAspect="1"/>
+          </p:cNvPicPr>
+          <p:nvPr/>
+        </p:nvPicPr>
+        <p:blipFill>
+          <a:blip r:embed="rId14"/>
+          <a:stretch>
+            <a:fillRect/>
+          </a:stretch>
+        </p:blipFill>
+        <p:spPr>
+          <a:xfrm>
+            <a:off x="10789045" y="2323773"/>
+            <a:ext cx="866775" cy="1590675"/>
+          </a:xfrm>
+          <a:prstGeom prst="rect">
+            <a:avLst/>
+          </a:prstGeom>
+        </p:spPr>
+      </p:pic>
+      <p:pic>
+        <p:nvPicPr>
+          <p:cNvPr id="18" name="Picture 17">
+            <a:extLst>
+              <a:ext uri="{FF2B5EF4-FFF2-40B4-BE49-F238E27FC236}">
+                <a16:creationId xmlns:a16="http://schemas.microsoft.com/office/drawing/2014/main" id="{B9AB738E-3D18-4DD0-9602-417D09DC82EF}"/>
+              </a:ext>
+            </a:extLst>
+          </p:cNvPr>
+          <p:cNvPicPr>
+            <a:picLocks noChangeAspect="1"/>
+          </p:cNvPicPr>
+          <p:nvPr/>
+        </p:nvPicPr>
+        <p:blipFill>
+          <a:blip r:embed="rId15"/>
+          <a:stretch>
+            <a:fillRect/>
+          </a:stretch>
+        </p:blipFill>
+        <p:spPr>
+          <a:xfrm>
+            <a:off x="7694394" y="5740995"/>
+            <a:ext cx="2933700" cy="1000125"/>
           </a:xfrm>
           <a:prstGeom prst="rect">
             <a:avLst/>
@@ -5141,7 +5506,7 @@
           <a:p>
             <a:r>
               <a:rPr lang="en-GB" sz="1200" dirty="0"/>
-              <a:t>Restaurant Recommendations based on tailoring\Personalisation</a:t>
+              <a:t>Recommendations based on tailoring\Personalisation</a:t>
             </a:r>
           </a:p>
         </p:txBody>
@@ -5176,7 +5541,7 @@
           <a:p>
             <a:r>
               <a:rPr lang="en-GB" sz="1400" dirty="0"/>
-              <a:t>Listings &amp; Bookings only – No reviews</a:t>
+              <a:t>Listings &amp; Bookings only – Critics Reviews</a:t>
             </a:r>
           </a:p>
         </p:txBody>
@@ -5195,7 +5560,7 @@
         </p:nvSpPr>
         <p:spPr>
           <a:xfrm>
-            <a:off x="6324419" y="541867"/>
+            <a:off x="4224111" y="5497593"/>
             <a:ext cx="1792642" cy="646331"/>
           </a:xfrm>
           <a:prstGeom prst="rect">
@@ -5211,7 +5576,7 @@
           <a:p>
             <a:r>
               <a:rPr lang="en-GB" sz="1200" dirty="0"/>
-              <a:t>Recommendations based on reviews only(Ranking System)</a:t>
+              <a:t>Recommendations based on customer reviews only(Ranking System)</a:t>
             </a:r>
           </a:p>
         </p:txBody>
@@ -5435,8 +5800,8 @@
         </p:nvSpPr>
         <p:spPr>
           <a:xfrm>
-            <a:off x="6324419" y="5374706"/>
-            <a:ext cx="1727200" cy="830997"/>
+            <a:off x="6175666" y="241535"/>
+            <a:ext cx="2396834" cy="646331"/>
           </a:xfrm>
           <a:prstGeom prst="rect">
             <a:avLst/>
@@ -5451,11 +5816,401 @@
           <a:p>
             <a:r>
               <a:rPr lang="en-GB" sz="1200" dirty="0"/>
-              <a:t>Restaurant Recommendations based on similar customers behaviour</a:t>
-            </a:r>
-          </a:p>
-        </p:txBody>
-      </p:sp>
+              <a:t>Recommendations based on similar customers or own previous behaviour</a:t>
+            </a:r>
+          </a:p>
+        </p:txBody>
+      </p:sp>
+      <p:pic>
+        <p:nvPicPr>
+          <p:cNvPr id="2" name="Picture 1">
+            <a:extLst>
+              <a:ext uri="{FF2B5EF4-FFF2-40B4-BE49-F238E27FC236}">
+                <a16:creationId xmlns:a16="http://schemas.microsoft.com/office/drawing/2014/main" id="{EFF46C7C-BAF8-4E73-9264-660028031F5F}"/>
+              </a:ext>
+            </a:extLst>
+          </p:cNvPr>
+          <p:cNvPicPr>
+            <a:picLocks noChangeAspect="1"/>
+          </p:cNvPicPr>
+          <p:nvPr/>
+        </p:nvPicPr>
+        <p:blipFill>
+          <a:blip r:embed="rId2"/>
+          <a:stretch>
+            <a:fillRect/>
+          </a:stretch>
+        </p:blipFill>
+        <p:spPr>
+          <a:xfrm>
+            <a:off x="10007518" y="505349"/>
+            <a:ext cx="1323975" cy="504825"/>
+          </a:xfrm>
+          <a:prstGeom prst="rect">
+            <a:avLst/>
+          </a:prstGeom>
+        </p:spPr>
+      </p:pic>
+      <p:pic>
+        <p:nvPicPr>
+          <p:cNvPr id="3" name="Picture 2">
+            <a:extLst>
+              <a:ext uri="{FF2B5EF4-FFF2-40B4-BE49-F238E27FC236}">
+                <a16:creationId xmlns:a16="http://schemas.microsoft.com/office/drawing/2014/main" id="{5718AD78-DB05-4F64-8BEB-96DF4BA8E5EB}"/>
+              </a:ext>
+            </a:extLst>
+          </p:cNvPr>
+          <p:cNvPicPr>
+            <a:picLocks noChangeAspect="1"/>
+          </p:cNvPicPr>
+          <p:nvPr/>
+        </p:nvPicPr>
+        <p:blipFill>
+          <a:blip r:embed="rId3"/>
+          <a:stretch>
+            <a:fillRect/>
+          </a:stretch>
+        </p:blipFill>
+        <p:spPr>
+          <a:xfrm>
+            <a:off x="9997993" y="1010175"/>
+            <a:ext cx="1333500" cy="628650"/>
+          </a:xfrm>
+          <a:prstGeom prst="rect">
+            <a:avLst/>
+          </a:prstGeom>
+        </p:spPr>
+      </p:pic>
+      <p:pic>
+        <p:nvPicPr>
+          <p:cNvPr id="13" name="Picture 12">
+            <a:extLst>
+              <a:ext uri="{FF2B5EF4-FFF2-40B4-BE49-F238E27FC236}">
+                <a16:creationId xmlns:a16="http://schemas.microsoft.com/office/drawing/2014/main" id="{0E9BF068-2095-4227-B341-942D71CC9F60}"/>
+              </a:ext>
+            </a:extLst>
+          </p:cNvPr>
+          <p:cNvPicPr>
+            <a:picLocks noChangeAspect="1"/>
+          </p:cNvPicPr>
+          <p:nvPr/>
+        </p:nvPicPr>
+        <p:blipFill>
+          <a:blip r:embed="rId4"/>
+          <a:stretch>
+            <a:fillRect/>
+          </a:stretch>
+        </p:blipFill>
+        <p:spPr>
+          <a:xfrm>
+            <a:off x="6265609" y="5772449"/>
+            <a:ext cx="1590675" cy="742950"/>
+          </a:xfrm>
+          <a:prstGeom prst="rect">
+            <a:avLst/>
+          </a:prstGeom>
+        </p:spPr>
+      </p:pic>
+      <p:pic>
+        <p:nvPicPr>
+          <p:cNvPr id="14" name="Picture 13">
+            <a:extLst>
+              <a:ext uri="{FF2B5EF4-FFF2-40B4-BE49-F238E27FC236}">
+                <a16:creationId xmlns:a16="http://schemas.microsoft.com/office/drawing/2014/main" id="{ED69D657-DA91-49E9-B1B6-27DA944D63E7}"/>
+              </a:ext>
+            </a:extLst>
+          </p:cNvPr>
+          <p:cNvPicPr>
+            <a:picLocks noChangeAspect="1"/>
+          </p:cNvPicPr>
+          <p:nvPr/>
+        </p:nvPicPr>
+        <p:blipFill>
+          <a:blip r:embed="rId5"/>
+          <a:stretch>
+            <a:fillRect/>
+          </a:stretch>
+        </p:blipFill>
+        <p:spPr>
+          <a:xfrm>
+            <a:off x="6355117" y="5402868"/>
+            <a:ext cx="1476375" cy="369581"/>
+          </a:xfrm>
+          <a:prstGeom prst="rect">
+            <a:avLst/>
+          </a:prstGeom>
+        </p:spPr>
+      </p:pic>
+      <p:pic>
+        <p:nvPicPr>
+          <p:cNvPr id="15" name="Picture 14">
+            <a:extLst>
+              <a:ext uri="{FF2B5EF4-FFF2-40B4-BE49-F238E27FC236}">
+                <a16:creationId xmlns:a16="http://schemas.microsoft.com/office/drawing/2014/main" id="{9EECACFB-1985-4EA7-9616-8E4DE76B1F65}"/>
+              </a:ext>
+            </a:extLst>
+          </p:cNvPr>
+          <p:cNvPicPr>
+            <a:picLocks noChangeAspect="1"/>
+          </p:cNvPicPr>
+          <p:nvPr/>
+        </p:nvPicPr>
+        <p:blipFill>
+          <a:blip r:embed="rId6"/>
+          <a:stretch>
+            <a:fillRect/>
+          </a:stretch>
+        </p:blipFill>
+        <p:spPr>
+          <a:xfrm>
+            <a:off x="414421" y="629086"/>
+            <a:ext cx="1781175" cy="762176"/>
+          </a:xfrm>
+          <a:prstGeom prst="rect">
+            <a:avLst/>
+          </a:prstGeom>
+        </p:spPr>
+      </p:pic>
+      <p:pic>
+        <p:nvPicPr>
+          <p:cNvPr id="4" name="Picture 3">
+            <a:extLst>
+              <a:ext uri="{FF2B5EF4-FFF2-40B4-BE49-F238E27FC236}">
+                <a16:creationId xmlns:a16="http://schemas.microsoft.com/office/drawing/2014/main" id="{3928D50C-FF35-469F-B3FB-A450A0CFA508}"/>
+              </a:ext>
+            </a:extLst>
+          </p:cNvPr>
+          <p:cNvPicPr>
+            <a:picLocks noChangeAspect="1"/>
+          </p:cNvPicPr>
+          <p:nvPr/>
+        </p:nvPicPr>
+        <p:blipFill>
+          <a:blip r:embed="rId7"/>
+          <a:stretch>
+            <a:fillRect/>
+          </a:stretch>
+        </p:blipFill>
+        <p:spPr>
+          <a:xfrm>
+            <a:off x="6252509" y="905308"/>
+            <a:ext cx="1571625" cy="419100"/>
+          </a:xfrm>
+          <a:prstGeom prst="rect">
+            <a:avLst/>
+          </a:prstGeom>
+        </p:spPr>
+      </p:pic>
+      <p:pic>
+        <p:nvPicPr>
+          <p:cNvPr id="18" name="Picture 17">
+            <a:extLst>
+              <a:ext uri="{FF2B5EF4-FFF2-40B4-BE49-F238E27FC236}">
+                <a16:creationId xmlns:a16="http://schemas.microsoft.com/office/drawing/2014/main" id="{8C7B9F86-A64C-4883-AF7D-4010DF34A5B2}"/>
+              </a:ext>
+            </a:extLst>
+          </p:cNvPr>
+          <p:cNvPicPr>
+            <a:picLocks noChangeAspect="1"/>
+          </p:cNvPicPr>
+          <p:nvPr/>
+        </p:nvPicPr>
+        <p:blipFill>
+          <a:blip r:embed="rId8"/>
+          <a:stretch>
+            <a:fillRect/>
+          </a:stretch>
+        </p:blipFill>
+        <p:spPr>
+          <a:xfrm>
+            <a:off x="8079495" y="5275252"/>
+            <a:ext cx="1184200" cy="1091012"/>
+          </a:xfrm>
+          <a:prstGeom prst="rect">
+            <a:avLst/>
+          </a:prstGeom>
+        </p:spPr>
+      </p:pic>
+      <p:pic>
+        <p:nvPicPr>
+          <p:cNvPr id="20" name="Picture 19">
+            <a:extLst>
+              <a:ext uri="{FF2B5EF4-FFF2-40B4-BE49-F238E27FC236}">
+                <a16:creationId xmlns:a16="http://schemas.microsoft.com/office/drawing/2014/main" id="{EC69CD15-A2C3-4875-BB7B-F794ED6EF444}"/>
+              </a:ext>
+            </a:extLst>
+          </p:cNvPr>
+          <p:cNvPicPr>
+            <a:picLocks noChangeAspect="1"/>
+          </p:cNvPicPr>
+          <p:nvPr/>
+        </p:nvPicPr>
+        <p:blipFill>
+          <a:blip r:embed="rId9"/>
+          <a:stretch>
+            <a:fillRect/>
+          </a:stretch>
+        </p:blipFill>
+        <p:spPr>
+          <a:xfrm>
+            <a:off x="9831305" y="1528990"/>
+            <a:ext cx="1666875" cy="571500"/>
+          </a:xfrm>
+          <a:prstGeom prst="rect">
+            <a:avLst/>
+          </a:prstGeom>
+        </p:spPr>
+      </p:pic>
+      <p:pic>
+        <p:nvPicPr>
+          <p:cNvPr id="5" name="Picture 4">
+            <a:extLst>
+              <a:ext uri="{FF2B5EF4-FFF2-40B4-BE49-F238E27FC236}">
+                <a16:creationId xmlns:a16="http://schemas.microsoft.com/office/drawing/2014/main" id="{EBB525CE-8144-47B3-A636-028F9B890DFF}"/>
+              </a:ext>
+            </a:extLst>
+          </p:cNvPr>
+          <p:cNvPicPr>
+            <a:picLocks noChangeAspect="1"/>
+          </p:cNvPicPr>
+          <p:nvPr/>
+        </p:nvPicPr>
+        <p:blipFill>
+          <a:blip r:embed="rId10"/>
+          <a:stretch>
+            <a:fillRect/>
+          </a:stretch>
+        </p:blipFill>
+        <p:spPr>
+          <a:xfrm>
+            <a:off x="9831305" y="2136806"/>
+            <a:ext cx="1570672" cy="312283"/>
+          </a:xfrm>
+          <a:prstGeom prst="rect">
+            <a:avLst/>
+          </a:prstGeom>
+        </p:spPr>
+      </p:pic>
+      <p:pic>
+        <p:nvPicPr>
+          <p:cNvPr id="23" name="Picture 22">
+            <a:extLst>
+              <a:ext uri="{FF2B5EF4-FFF2-40B4-BE49-F238E27FC236}">
+                <a16:creationId xmlns:a16="http://schemas.microsoft.com/office/drawing/2014/main" id="{DC916509-2211-4C1C-ACC7-B52D024B4282}"/>
+              </a:ext>
+            </a:extLst>
+          </p:cNvPr>
+          <p:cNvPicPr>
+            <a:picLocks noChangeAspect="1"/>
+          </p:cNvPicPr>
+          <p:nvPr/>
+        </p:nvPicPr>
+        <p:blipFill>
+          <a:blip r:embed="rId11"/>
+          <a:stretch>
+            <a:fillRect/>
+          </a:stretch>
+        </p:blipFill>
+        <p:spPr>
+          <a:xfrm>
+            <a:off x="6355117" y="4766310"/>
+            <a:ext cx="1469017" cy="636558"/>
+          </a:xfrm>
+          <a:prstGeom prst="rect">
+            <a:avLst/>
+          </a:prstGeom>
+        </p:spPr>
+      </p:pic>
+      <p:pic>
+        <p:nvPicPr>
+          <p:cNvPr id="24" name="Picture 23">
+            <a:extLst>
+              <a:ext uri="{FF2B5EF4-FFF2-40B4-BE49-F238E27FC236}">
+                <a16:creationId xmlns:a16="http://schemas.microsoft.com/office/drawing/2014/main" id="{5B8AE224-EAB6-4B5E-AEFF-ED8888E56061}"/>
+              </a:ext>
+            </a:extLst>
+          </p:cNvPr>
+          <p:cNvPicPr>
+            <a:picLocks noChangeAspect="1"/>
+          </p:cNvPicPr>
+          <p:nvPr/>
+        </p:nvPicPr>
+        <p:blipFill>
+          <a:blip r:embed="rId12"/>
+          <a:stretch>
+            <a:fillRect/>
+          </a:stretch>
+        </p:blipFill>
+        <p:spPr>
+          <a:xfrm>
+            <a:off x="292450" y="1748789"/>
+            <a:ext cx="2507900" cy="1083341"/>
+          </a:xfrm>
+          <a:prstGeom prst="rect">
+            <a:avLst/>
+          </a:prstGeom>
+        </p:spPr>
+      </p:pic>
+      <p:pic>
+        <p:nvPicPr>
+          <p:cNvPr id="6" name="Picture 5">
+            <a:extLst>
+              <a:ext uri="{FF2B5EF4-FFF2-40B4-BE49-F238E27FC236}">
+                <a16:creationId xmlns:a16="http://schemas.microsoft.com/office/drawing/2014/main" id="{83C045D8-2E9D-45B6-A74D-6227D9423A2D}"/>
+              </a:ext>
+            </a:extLst>
+          </p:cNvPr>
+          <p:cNvPicPr>
+            <a:picLocks noChangeAspect="1"/>
+          </p:cNvPicPr>
+          <p:nvPr/>
+        </p:nvPicPr>
+        <p:blipFill>
+          <a:blip r:embed="rId13"/>
+          <a:stretch>
+            <a:fillRect/>
+          </a:stretch>
+        </p:blipFill>
+        <p:spPr>
+          <a:xfrm>
+            <a:off x="3913822" y="4766310"/>
+            <a:ext cx="1781175" cy="514350"/>
+          </a:xfrm>
+          <a:prstGeom prst="rect">
+            <a:avLst/>
+          </a:prstGeom>
+        </p:spPr>
+      </p:pic>
+      <p:pic>
+        <p:nvPicPr>
+          <p:cNvPr id="7" name="Picture 6">
+            <a:extLst>
+              <a:ext uri="{FF2B5EF4-FFF2-40B4-BE49-F238E27FC236}">
+                <a16:creationId xmlns:a16="http://schemas.microsoft.com/office/drawing/2014/main" id="{8A1911A6-03D0-4DD2-9916-79B5381E9FBD}"/>
+              </a:ext>
+            </a:extLst>
+          </p:cNvPr>
+          <p:cNvPicPr>
+            <a:picLocks noChangeAspect="1"/>
+          </p:cNvPicPr>
+          <p:nvPr/>
+        </p:nvPicPr>
+        <p:blipFill>
+          <a:blip r:embed="rId14"/>
+          <a:stretch>
+            <a:fillRect/>
+          </a:stretch>
+        </p:blipFill>
+        <p:spPr>
+          <a:xfrm>
+            <a:off x="4508070" y="4232910"/>
+            <a:ext cx="962025" cy="533400"/>
+          </a:xfrm>
+          <a:prstGeom prst="rect">
+            <a:avLst/>
+          </a:prstGeom>
+        </p:spPr>
+      </p:pic>
     </p:spTree>
     <p:extLst>
       <p:ext uri="{BB962C8B-B14F-4D97-AF65-F5344CB8AC3E}">
